--- a/documents/2025/Riverbend medieval Society – New Structure.pptx
+++ b/documents/2025/Riverbend medieval Society – New Structure.pptx
@@ -3113,35 +3113,6 @@
       </p:grpSpPr>
       <p:sp>
         <p:nvSpPr>
-          <p:cNvPr id="2" name="Title 1"/>
-          <p:cNvSpPr>
-            <a:spLocks noGrp="1"/>
-          </p:cNvSpPr>
-          <p:nvPr>
-            <p:ph type="ctrTitle"/>
-          </p:nvPr>
-        </p:nvSpPr>
-        <p:spPr>
-          <a:xfrm>
-            <a:off x="179512" y="188641"/>
-            <a:ext cx="8856984" cy="792088"/>
-          </a:xfrm>
-        </p:spPr>
-        <p:txBody>
-          <a:bodyPr>
-            <a:normAutofit/>
-          </a:bodyPr>
-          <a:lstStyle/>
-          <a:p>
-            <a:r>
-              <a:rPr lang="en-AU" sz="3200" dirty="0"/>
-              <a:t>Riverbend medieval Society – New Structure</a:t>
-            </a:r>
-          </a:p>
-        </p:txBody>
-      </p:sp>
-      <p:sp>
-        <p:nvSpPr>
           <p:cNvPr id="3" name="Subtitle 2"/>
           <p:cNvSpPr>
             <a:spLocks noGrp="1"/>
@@ -3558,6 +3529,39 @@
           <a:p>
             <a:pPr algn="ctr"/>
             <a:endParaRPr lang="en-AU"/>
+          </a:p>
+        </p:txBody>
+      </p:sp>
+      <p:sp>
+        <p:nvSpPr>
+          <p:cNvPr id="5" name="Title 4">
+            <a:extLst>
+              <a:ext uri="{FF2B5EF4-FFF2-40B4-BE49-F238E27FC236}">
+                <a16:creationId xmlns:a16="http://schemas.microsoft.com/office/drawing/2014/main" id="{8EC8A309-B4A2-B398-EC56-2575A0E5825E}"/>
+              </a:ext>
+            </a:extLst>
+          </p:cNvPr>
+          <p:cNvSpPr>
+            <a:spLocks noGrp="1"/>
+          </p:cNvSpPr>
+          <p:nvPr>
+            <p:ph type="ctrTitle"/>
+          </p:nvPr>
+        </p:nvSpPr>
+        <p:spPr>
+          <a:xfrm>
+            <a:off x="755946" y="-9649"/>
+            <a:ext cx="7772400" cy="1470025"/>
+          </a:xfrm>
+        </p:spPr>
+        <p:txBody>
+          <a:bodyPr/>
+          <a:lstStyle/>
+          <a:p>
+            <a:r>
+              <a:rPr lang="en-US" dirty="0"/>
+              <a:t>Society Administrative Structure</a:t>
+            </a:r>
           </a:p>
         </p:txBody>
       </p:sp>
